--- a/contents/2020_ITinerary/assets/session_3/labsession.pptx
+++ b/contents/2020_ITinerary/assets/session_3/labsession.pptx
@@ -641,6 +641,33 @@
           <a:bodyPr/>
           <a:lstStyle/>
           <a:p>
+            <a:r>
+              <a:rPr lang="en-US" altLang="ko-KR"/>
+              <a:t>After the detection of face, we have to pixelate the face area in the image.</a:t>
+            </a:r>
+          </a:p>
+          <a:p>
+            <a:r>
+              <a:rPr lang="en-US" altLang="ko-KR"/>
+              <a:t>It can be done very easily, just zoom in and zoom out. Then we can break the image intentionally</a:t>
+            </a:r>
+          </a:p>
+          <a:p>
+            <a:endParaRPr lang="en-US" altLang="ko-KR"/>
+          </a:p>
+          <a:p>
+            <a:r>
+              <a:rPr lang="en-US" altLang="ko-KR"/>
+              <a:t>Also, the function for this is provided in the skeleton. and if you want, you can modify and improve the function,</a:t>
+            </a:r>
+          </a:p>
+          <a:p>
+            <a:r>
+              <a:rPr lang="en-US" altLang="ko-KR"/>
+              <a:t>. </a:t>
+            </a:r>
+          </a:p>
+          <a:p>
             <a:endParaRPr lang="ko-KR" altLang="en-US"/>
           </a:p>
         </p:txBody>
@@ -662,7 +689,7 @@
           <a:p>
             <a:fld id="{A248A177-227F-4E2F-A815-394152F0E3B8}" type="slidenum">
               <a:rPr lang="ko-KR" altLang="en-US" smtClean="0"/>
-              <a:t>11</a:t>
+              <a:t>10</a:t>
             </a:fld>
             <a:endParaRPr lang="ko-KR" altLang="en-US"/>
           </a:p>
@@ -671,7 +698,7 @@
     </p:spTree>
     <p:extLst>
       <p:ext uri="{BB962C8B-B14F-4D97-AF65-F5344CB8AC3E}">
-        <p14:creationId xmlns:p14="http://schemas.microsoft.com/office/powerpoint/2010/main" val="3967752013"/>
+        <p14:creationId xmlns:p14="http://schemas.microsoft.com/office/powerpoint/2010/main" val="2379680299"/>
       </p:ext>
     </p:extLst>
   </p:cSld>
@@ -725,7 +752,28 @@
           <a:bodyPr/>
           <a:lstStyle/>
           <a:p>
-            <a:endParaRPr lang="ko-KR" altLang="en-US"/>
+            <a:r>
+              <a:rPr lang="en-US" altLang="ko-KR"/>
+              <a:t>So, your program should…</a:t>
+            </a:r>
+          </a:p>
+          <a:p>
+            <a:r>
+              <a:rPr lang="en-US" altLang="ko-KR"/>
+              <a:t>capture the video by your webcam</a:t>
+            </a:r>
+          </a:p>
+          <a:p>
+            <a:r>
+              <a:rPr lang="en-US" altLang="ko-KR"/>
+              <a:t>detect your face from this</a:t>
+            </a:r>
+          </a:p>
+          <a:p>
+            <a:r>
+              <a:rPr lang="en-US" altLang="ko-KR"/>
+              <a:t>pixelate the face area, and show the video in realtime</a:t>
+            </a:r>
           </a:p>
         </p:txBody>
       </p:sp>
@@ -746,7 +794,7 @@
           <a:p>
             <a:fld id="{A248A177-227F-4E2F-A815-394152F0E3B8}" type="slidenum">
               <a:rPr lang="ko-KR" altLang="en-US" smtClean="0"/>
-              <a:t>12</a:t>
+              <a:t>11</a:t>
             </a:fld>
             <a:endParaRPr lang="ko-KR" altLang="en-US"/>
           </a:p>
@@ -755,7 +803,7 @@
     </p:spTree>
     <p:extLst>
       <p:ext uri="{BB962C8B-B14F-4D97-AF65-F5344CB8AC3E}">
-        <p14:creationId xmlns:p14="http://schemas.microsoft.com/office/powerpoint/2010/main" val="4210508529"/>
+        <p14:creationId xmlns:p14="http://schemas.microsoft.com/office/powerpoint/2010/main" val="3967752013"/>
       </p:ext>
     </p:extLst>
   </p:cSld>
@@ -809,6 +857,25 @@
           <a:bodyPr/>
           <a:lstStyle/>
           <a:p>
+            <a:r>
+              <a:rPr lang="en-US" altLang="ko-KR"/>
+              <a:t>Also, you should be careful about the light</a:t>
+            </a:r>
+          </a:p>
+          <a:p>
+            <a:r>
+              <a:rPr lang="en-US" altLang="ko-KR"/>
+              <a:t>because too-intense light can disturb the detection of face</a:t>
+            </a:r>
+          </a:p>
+          <a:p>
+            <a:endParaRPr lang="en-US" altLang="ko-KR"/>
+          </a:p>
+          <a:p>
+            <a:r>
+              <a:rPr lang="en-US" altLang="ko-KR"/>
+              <a:t>If your facial recognition does not work, please relocate the webcam.</a:t>
+            </a:r>
             <a:endParaRPr lang="ko-KR" altLang="en-US"/>
           </a:p>
         </p:txBody>
@@ -830,7 +897,7 @@
           <a:p>
             <a:fld id="{A248A177-227F-4E2F-A815-394152F0E3B8}" type="slidenum">
               <a:rPr lang="ko-KR" altLang="en-US" smtClean="0"/>
-              <a:t>13</a:t>
+              <a:t>12</a:t>
             </a:fld>
             <a:endParaRPr lang="ko-KR" altLang="en-US"/>
           </a:p>
@@ -839,7 +906,7 @@
     </p:spTree>
     <p:extLst>
       <p:ext uri="{BB962C8B-B14F-4D97-AF65-F5344CB8AC3E}">
-        <p14:creationId xmlns:p14="http://schemas.microsoft.com/office/powerpoint/2010/main" val="2420413631"/>
+        <p14:creationId xmlns:p14="http://schemas.microsoft.com/office/powerpoint/2010/main" val="4210508529"/>
       </p:ext>
     </p:extLst>
   </p:cSld>
@@ -893,6 +960,10 @@
           <a:bodyPr/>
           <a:lstStyle/>
           <a:p>
+            <a:r>
+              <a:rPr lang="en-US" altLang="ko-KR"/>
+              <a:t>THen, I breifely explain about the skeleton code</a:t>
+            </a:r>
             <a:endParaRPr lang="ko-KR" altLang="en-US"/>
           </a:p>
         </p:txBody>
@@ -914,7 +985,7 @@
           <a:p>
             <a:fld id="{A248A177-227F-4E2F-A815-394152F0E3B8}" type="slidenum">
               <a:rPr lang="ko-KR" altLang="en-US" smtClean="0"/>
-              <a:t>14</a:t>
+              <a:t>13</a:t>
             </a:fld>
             <a:endParaRPr lang="ko-KR" altLang="en-US"/>
           </a:p>
@@ -923,7 +994,7 @@
     </p:spTree>
     <p:extLst>
       <p:ext uri="{BB962C8B-B14F-4D97-AF65-F5344CB8AC3E}">
-        <p14:creationId xmlns:p14="http://schemas.microsoft.com/office/powerpoint/2010/main" val="1258464765"/>
+        <p14:creationId xmlns:p14="http://schemas.microsoft.com/office/powerpoint/2010/main" val="2420413631"/>
       </p:ext>
     </p:extLst>
   </p:cSld>
@@ -977,6 +1048,16 @@
           <a:bodyPr/>
           <a:lstStyle/>
           <a:p>
+            <a:r>
+              <a:rPr lang="en-US" altLang="ko-KR"/>
+              <a:t>we can load the pre-learned dataset,</a:t>
+            </a:r>
+          </a:p>
+          <a:p>
+            <a:r>
+              <a:rPr lang="en-US" altLang="ko-KR"/>
+              <a:t>and note that, the xml file should be in the same directory with the python file</a:t>
+            </a:r>
             <a:endParaRPr lang="ko-KR" altLang="en-US"/>
           </a:p>
         </p:txBody>
@@ -998,7 +1079,7 @@
           <a:p>
             <a:fld id="{A248A177-227F-4E2F-A815-394152F0E3B8}" type="slidenum">
               <a:rPr lang="ko-KR" altLang="en-US" smtClean="0"/>
-              <a:t>15</a:t>
+              <a:t>14</a:t>
             </a:fld>
             <a:endParaRPr lang="ko-KR" altLang="en-US"/>
           </a:p>
@@ -1007,7 +1088,7 @@
     </p:spTree>
     <p:extLst>
       <p:ext uri="{BB962C8B-B14F-4D97-AF65-F5344CB8AC3E}">
-        <p14:creationId xmlns:p14="http://schemas.microsoft.com/office/powerpoint/2010/main" val="2958238488"/>
+        <p14:creationId xmlns:p14="http://schemas.microsoft.com/office/powerpoint/2010/main" val="1258464765"/>
       </p:ext>
     </p:extLst>
   </p:cSld>
@@ -1061,6 +1142,16 @@
           <a:bodyPr/>
           <a:lstStyle/>
           <a:p>
+            <a:r>
+              <a:rPr lang="en-US" altLang="ko-KR"/>
+              <a:t>We prepared some functions for you</a:t>
+            </a:r>
+          </a:p>
+          <a:p>
+            <a:r>
+              <a:rPr lang="en-US" altLang="ko-KR"/>
+              <a:t>first one is for list comparison you can compare and return True or False.</a:t>
+            </a:r>
             <a:endParaRPr lang="ko-KR" altLang="en-US"/>
           </a:p>
         </p:txBody>
@@ -1082,7 +1173,7 @@
           <a:p>
             <a:fld id="{A248A177-227F-4E2F-A815-394152F0E3B8}" type="slidenum">
               <a:rPr lang="ko-KR" altLang="en-US" smtClean="0"/>
-              <a:t>16</a:t>
+              <a:t>15</a:t>
             </a:fld>
             <a:endParaRPr lang="ko-KR" altLang="en-US"/>
           </a:p>
@@ -1091,7 +1182,7 @@
     </p:spTree>
     <p:extLst>
       <p:ext uri="{BB962C8B-B14F-4D97-AF65-F5344CB8AC3E}">
-        <p14:creationId xmlns:p14="http://schemas.microsoft.com/office/powerpoint/2010/main" val="2531962735"/>
+        <p14:creationId xmlns:p14="http://schemas.microsoft.com/office/powerpoint/2010/main" val="2958238488"/>
       </p:ext>
     </p:extLst>
   </p:cSld>
@@ -1145,7 +1236,47 @@
           <a:bodyPr/>
           <a:lstStyle/>
           <a:p>
-            <a:endParaRPr lang="ko-KR" altLang="en-US"/>
+            <a:r>
+              <a:rPr lang="en-US" altLang="ko-KR"/>
+              <a:t>get_face_rect function detects face from the image, and return its region,</a:t>
+            </a:r>
+            <a:r>
+              <a:rPr lang="ko-KR" altLang="en-US"/>
+              <a:t> </a:t>
+            </a:r>
+            <a:r>
+              <a:rPr lang="en-US" altLang="ko-KR"/>
+              <a:t>with</a:t>
+            </a:r>
+            <a:r>
+              <a:rPr lang="ko-KR" altLang="en-US"/>
+              <a:t> </a:t>
+            </a:r>
+            <a:r>
+              <a:rPr lang="en-US" altLang="ko-KR"/>
+              <a:t>4-tuple: x, y,  w, h,</a:t>
+            </a:r>
+          </a:p>
+          <a:p>
+            <a:r>
+              <a:rPr lang="en-US" altLang="ko-KR"/>
+              <a:t>And note that, this function will return (0,0,0,0) if there seems no face</a:t>
+            </a:r>
+          </a:p>
+          <a:p>
+            <a:endParaRPr lang="en-US" altLang="ko-KR"/>
+          </a:p>
+          <a:p>
+            <a:r>
+              <a:rPr lang="en-US" altLang="ko-KR"/>
+              <a:t>because the video contains lots of image, it often fail, but that’s ok</a:t>
+            </a:r>
+          </a:p>
+          <a:p>
+            <a:endParaRPr lang="en-US" altLang="ko-KR"/>
+          </a:p>
+          <a:p>
+            <a:endParaRPr lang="en-US" altLang="ko-KR"/>
           </a:p>
         </p:txBody>
       </p:sp>
@@ -1166,7 +1297,7 @@
           <a:p>
             <a:fld id="{A248A177-227F-4E2F-A815-394152F0E3B8}" type="slidenum">
               <a:rPr lang="ko-KR" altLang="en-US" smtClean="0"/>
-              <a:t>17</a:t>
+              <a:t>16</a:t>
             </a:fld>
             <a:endParaRPr lang="ko-KR" altLang="en-US"/>
           </a:p>
@@ -1175,7 +1306,7 @@
     </p:spTree>
     <p:extLst>
       <p:ext uri="{BB962C8B-B14F-4D97-AF65-F5344CB8AC3E}">
-        <p14:creationId xmlns:p14="http://schemas.microsoft.com/office/powerpoint/2010/main" val="2530530037"/>
+        <p14:creationId xmlns:p14="http://schemas.microsoft.com/office/powerpoint/2010/main" val="2531962735"/>
       </p:ext>
     </p:extLst>
   </p:cSld>
@@ -1229,6 +1360,207 @@
           <a:bodyPr/>
           <a:lstStyle/>
           <a:p>
+            <a:r>
+              <a:rPr lang="en-US" altLang="ko-KR"/>
+              <a:t>the pixelate function, blurs out the area in the given image</a:t>
+            </a:r>
+          </a:p>
+          <a:p>
+            <a:r>
+              <a:rPr lang="en-US" altLang="ko-KR"/>
+              <a:t>it doesn’t return anything but it directly modify the image</a:t>
+            </a:r>
+            <a:endParaRPr lang="ko-KR" altLang="en-US"/>
+          </a:p>
+        </p:txBody>
+      </p:sp>
+      <p:sp>
+        <p:nvSpPr>
+          <p:cNvPr id="4" name="Slide Number Placeholder 3"/>
+          <p:cNvSpPr>
+            <a:spLocks noGrp="1"/>
+          </p:cNvSpPr>
+          <p:nvPr>
+            <p:ph type="sldNum" sz="quarter" idx="5"/>
+          </p:nvPr>
+        </p:nvSpPr>
+        <p:spPr/>
+        <p:txBody>
+          <a:bodyPr/>
+          <a:lstStyle/>
+          <a:p>
+            <a:fld id="{A248A177-227F-4E2F-A815-394152F0E3B8}" type="slidenum">
+              <a:rPr lang="ko-KR" altLang="en-US" smtClean="0"/>
+              <a:t>17</a:t>
+            </a:fld>
+            <a:endParaRPr lang="ko-KR" altLang="en-US"/>
+          </a:p>
+        </p:txBody>
+      </p:sp>
+    </p:spTree>
+    <p:extLst>
+      <p:ext uri="{BB962C8B-B14F-4D97-AF65-F5344CB8AC3E}">
+        <p14:creationId xmlns:p14="http://schemas.microsoft.com/office/powerpoint/2010/main" val="2530530037"/>
+      </p:ext>
+    </p:extLst>
+  </p:cSld>
+  <p:clrMapOvr>
+    <a:masterClrMapping/>
+  </p:clrMapOvr>
+</p:notes>
+</file>
+
+<file path=ppt/notesSlides/notesSlide18.xml><?xml version="1.0" encoding="utf-8"?>
+<p:notes xmlns:a="http://schemas.openxmlformats.org/drawingml/2006/main" xmlns:r="http://schemas.openxmlformats.org/officeDocument/2006/relationships" xmlns:p="http://schemas.openxmlformats.org/presentationml/2006/main">
+  <p:cSld>
+    <p:spTree>
+      <p:nvGrpSpPr>
+        <p:cNvPr id="1" name=""/>
+        <p:cNvGrpSpPr/>
+        <p:nvPr/>
+      </p:nvGrpSpPr>
+      <p:grpSpPr>
+        <a:xfrm>
+          <a:off x="0" y="0"/>
+          <a:ext cx="0" cy="0"/>
+          <a:chOff x="0" y="0"/>
+          <a:chExt cx="0" cy="0"/>
+        </a:xfrm>
+      </p:grpSpPr>
+      <p:sp>
+        <p:nvSpPr>
+          <p:cNvPr id="2" name="Slide Image Placeholder 1"/>
+          <p:cNvSpPr>
+            <a:spLocks noGrp="1" noRot="1" noChangeAspect="1"/>
+          </p:cNvSpPr>
+          <p:nvPr>
+            <p:ph type="sldImg"/>
+          </p:nvPr>
+        </p:nvSpPr>
+        <p:spPr/>
+      </p:sp>
+      <p:sp>
+        <p:nvSpPr>
+          <p:cNvPr id="3" name="Notes Placeholder 2"/>
+          <p:cNvSpPr>
+            <a:spLocks noGrp="1"/>
+          </p:cNvSpPr>
+          <p:nvPr>
+            <p:ph type="body" idx="1"/>
+          </p:nvPr>
+        </p:nvSpPr>
+        <p:spPr/>
+        <p:txBody>
+          <a:bodyPr/>
+          <a:lstStyle/>
+          <a:p>
+            <a:r>
+              <a:rPr lang="en-US" altLang="ko-KR"/>
+              <a:t>I already explained how to use webcam and videocapture in the last of pre-class video.</a:t>
+            </a:r>
+          </a:p>
+          <a:p>
+            <a:r>
+              <a:rPr lang="en-US" altLang="ko-KR"/>
+              <a:t>So it will be helpful for understanding this.</a:t>
+            </a:r>
+          </a:p>
+          <a:p>
+            <a:endParaRPr lang="en-US" altLang="ko-KR"/>
+          </a:p>
+          <a:p>
+            <a:r>
+              <a:rPr lang="en-US" altLang="ko-KR"/>
+              <a:t>And… </a:t>
+            </a:r>
+            <a:endParaRPr lang="ko-KR" altLang="en-US"/>
+          </a:p>
+        </p:txBody>
+      </p:sp>
+      <p:sp>
+        <p:nvSpPr>
+          <p:cNvPr id="4" name="Slide Number Placeholder 3"/>
+          <p:cNvSpPr>
+            <a:spLocks noGrp="1"/>
+          </p:cNvSpPr>
+          <p:nvPr>
+            <p:ph type="sldNum" sz="quarter" idx="5"/>
+          </p:nvPr>
+        </p:nvSpPr>
+        <p:spPr/>
+        <p:txBody>
+          <a:bodyPr/>
+          <a:lstStyle/>
+          <a:p>
+            <a:fld id="{A248A177-227F-4E2F-A815-394152F0E3B8}" type="slidenum">
+              <a:rPr lang="ko-KR" altLang="en-US" smtClean="0"/>
+              <a:t>18</a:t>
+            </a:fld>
+            <a:endParaRPr lang="ko-KR" altLang="en-US"/>
+          </a:p>
+        </p:txBody>
+      </p:sp>
+    </p:spTree>
+    <p:extLst>
+      <p:ext uri="{BB962C8B-B14F-4D97-AF65-F5344CB8AC3E}">
+        <p14:creationId xmlns:p14="http://schemas.microsoft.com/office/powerpoint/2010/main" val="1268709070"/>
+      </p:ext>
+    </p:extLst>
+  </p:cSld>
+  <p:clrMapOvr>
+    <a:masterClrMapping/>
+  </p:clrMapOvr>
+</p:notes>
+</file>
+
+<file path=ppt/notesSlides/notesSlide19.xml><?xml version="1.0" encoding="utf-8"?>
+<p:notes xmlns:a="http://schemas.openxmlformats.org/drawingml/2006/main" xmlns:r="http://schemas.openxmlformats.org/officeDocument/2006/relationships" xmlns:p="http://schemas.openxmlformats.org/presentationml/2006/main">
+  <p:cSld>
+    <p:spTree>
+      <p:nvGrpSpPr>
+        <p:cNvPr id="1" name=""/>
+        <p:cNvGrpSpPr/>
+        <p:nvPr/>
+      </p:nvGrpSpPr>
+      <p:grpSpPr>
+        <a:xfrm>
+          <a:off x="0" y="0"/>
+          <a:ext cx="0" cy="0"/>
+          <a:chOff x="0" y="0"/>
+          <a:chExt cx="0" cy="0"/>
+        </a:xfrm>
+      </p:grpSpPr>
+      <p:sp>
+        <p:nvSpPr>
+          <p:cNvPr id="2" name="Slide Image Placeholder 1"/>
+          <p:cNvSpPr>
+            <a:spLocks noGrp="1" noRot="1" noChangeAspect="1"/>
+          </p:cNvSpPr>
+          <p:nvPr>
+            <p:ph type="sldImg"/>
+          </p:nvPr>
+        </p:nvSpPr>
+        <p:spPr/>
+      </p:sp>
+      <p:sp>
+        <p:nvSpPr>
+          <p:cNvPr id="3" name="Notes Placeholder 2"/>
+          <p:cNvSpPr>
+            <a:spLocks noGrp="1"/>
+          </p:cNvSpPr>
+          <p:nvPr>
+            <p:ph type="body" idx="1"/>
+          </p:nvPr>
+        </p:nvSpPr>
+        <p:spPr/>
+        <p:txBody>
+          <a:bodyPr/>
+          <a:lstStyle/>
+          <a:p>
+            <a:r>
+              <a:rPr lang="en-US" altLang="ko-KR"/>
+              <a:t>ok. let’s make it together.</a:t>
+            </a:r>
             <a:endParaRPr lang="ko-KR" altLang="en-US"/>
           </a:p>
         </p:txBody>
@@ -1313,7 +1645,10 @@
           <a:bodyPr/>
           <a:lstStyle/>
           <a:p>
-            <a:endParaRPr lang="en-US" altLang="ko-KR"/>
+            <a:r>
+              <a:rPr lang="en-US" altLang="ko-KR"/>
+              <a:t>today, we will implement pixilation with facial recognition</a:t>
+            </a:r>
           </a:p>
         </p:txBody>
       </p:sp>
@@ -1481,6 +1816,16 @@
           <a:bodyPr/>
           <a:lstStyle/>
           <a:p>
+            <a:r>
+              <a:rPr lang="en-US" altLang="ko-KR"/>
+              <a:t>First, have you ever seen street view in google map?</a:t>
+            </a:r>
+          </a:p>
+          <a:p>
+            <a:r>
+              <a:rPr lang="en-US" altLang="ko-KR"/>
+              <a:t>It provides very high-quality roadview</a:t>
+            </a:r>
             <a:endParaRPr lang="ko-KR" altLang="en-US"/>
           </a:p>
         </p:txBody>
@@ -1565,6 +1910,19 @@
           <a:bodyPr/>
           <a:lstStyle/>
           <a:p>
+            <a:r>
+              <a:rPr lang="en-US" altLang="ko-KR"/>
+              <a:t>If you see somewhere with many people, you may see that people’s face is blured out</a:t>
+            </a:r>
+          </a:p>
+          <a:p>
+            <a:endParaRPr lang="en-US" altLang="ko-KR"/>
+          </a:p>
+          <a:p>
+            <a:r>
+              <a:rPr lang="en-US" altLang="ko-KR"/>
+              <a:t>Okay let me show that</a:t>
+            </a:r>
             <a:endParaRPr lang="ko-KR" altLang="en-US"/>
           </a:p>
         </p:txBody>
@@ -1649,7 +2007,26 @@
           <a:bodyPr/>
           <a:lstStyle/>
           <a:p>
+            <a:r>
+              <a:rPr lang="en-US" altLang="ko-KR"/>
+              <a:t>So, we will make such a method for pixilation, or blurring out</a:t>
+            </a:r>
+          </a:p>
+          <a:p>
             <a:endParaRPr lang="en-US" altLang="ko-KR"/>
+          </a:p>
+          <a:p>
+            <a:r>
+              <a:rPr lang="en-US" altLang="ko-KR"/>
+              <a:t>We need to do somethings for that</a:t>
+            </a:r>
+          </a:p>
+          <a:p>
+            <a:r>
+              <a:rPr lang="en-US" altLang="ko-KR"/>
+              <a:t>capture video from your camera, and detect face, and then, blur out</a:t>
+            </a:r>
+            <a:endParaRPr lang="ko-KR" altLang="en-US"/>
           </a:p>
         </p:txBody>
       </p:sp>
@@ -1670,7 +2047,7 @@
           <a:p>
             <a:fld id="{A248A177-227F-4E2F-A815-394152F0E3B8}" type="slidenum">
               <a:rPr lang="ko-KR" altLang="en-US" smtClean="0"/>
-              <a:t>7</a:t>
+              <a:t>6</a:t>
             </a:fld>
             <a:endParaRPr lang="ko-KR" altLang="en-US"/>
           </a:p>
@@ -1679,7 +2056,7 @@
     </p:spTree>
     <p:extLst>
       <p:ext uri="{BB962C8B-B14F-4D97-AF65-F5344CB8AC3E}">
-        <p14:creationId xmlns:p14="http://schemas.microsoft.com/office/powerpoint/2010/main" val="3220629516"/>
+        <p14:creationId xmlns:p14="http://schemas.microsoft.com/office/powerpoint/2010/main" val="638217632"/>
       </p:ext>
     </p:extLst>
   </p:cSld>
@@ -1733,6 +2110,21 @@
           <a:bodyPr/>
           <a:lstStyle/>
           <a:p>
+            <a:r>
+              <a:rPr lang="en-US" altLang="ko-KR"/>
+              <a:t>Let’s briefely view about background.</a:t>
+            </a:r>
+          </a:p>
+          <a:p>
+            <a:endParaRPr lang="en-US" altLang="ko-KR"/>
+          </a:p>
+          <a:p>
+            <a:r>
+              <a:rPr lang="en-US" altLang="ko-KR"/>
+              <a:t>OpenCV provides a powerful ML-based object detection and classification model, called haar cascade.</a:t>
+            </a:r>
+          </a:p>
+          <a:p>
             <a:endParaRPr lang="en-US" altLang="ko-KR"/>
           </a:p>
         </p:txBody>
@@ -1754,7 +2146,7 @@
           <a:p>
             <a:fld id="{A248A177-227F-4E2F-A815-394152F0E3B8}" type="slidenum">
               <a:rPr lang="ko-KR" altLang="en-US" smtClean="0"/>
-              <a:t>8</a:t>
+              <a:t>7</a:t>
             </a:fld>
             <a:endParaRPr lang="ko-KR" altLang="en-US"/>
           </a:p>
@@ -1763,7 +2155,7 @@
     </p:spTree>
     <p:extLst>
       <p:ext uri="{BB962C8B-B14F-4D97-AF65-F5344CB8AC3E}">
-        <p14:creationId xmlns:p14="http://schemas.microsoft.com/office/powerpoint/2010/main" val="2378777035"/>
+        <p14:creationId xmlns:p14="http://schemas.microsoft.com/office/powerpoint/2010/main" val="3220629516"/>
       </p:ext>
     </p:extLst>
   </p:cSld>
@@ -1817,7 +2209,34 @@
           <a:bodyPr/>
           <a:lstStyle/>
           <a:p>
-            <a:endParaRPr lang="ko-KR" altLang="en-US"/>
+            <a:r>
+              <a:rPr lang="en-US" altLang="ko-KR"/>
+              <a:t>To implement haar cascade</a:t>
+            </a:r>
+          </a:p>
+          <a:p>
+            <a:r>
+              <a:rPr lang="en-US" altLang="ko-KR"/>
+              <a:t>we should prepare some dataset, and extract and compute the feature from this.</a:t>
+            </a:r>
+          </a:p>
+          <a:p>
+            <a:r>
+              <a:rPr lang="en-US" altLang="ko-KR"/>
+              <a:t>And then apply the generated model to the given image or frame</a:t>
+            </a:r>
+          </a:p>
+          <a:p>
+            <a:endParaRPr lang="en-US" altLang="ko-KR"/>
+          </a:p>
+          <a:p>
+            <a:r>
+              <a:rPr lang="en-US" altLang="ko-KR"/>
+              <a:t>but you don’t need to do these. because..</a:t>
+            </a:r>
+          </a:p>
+          <a:p>
+            <a:endParaRPr lang="en-US" altLang="ko-KR"/>
           </a:p>
         </p:txBody>
       </p:sp>
@@ -1838,7 +2257,7 @@
           <a:p>
             <a:fld id="{A248A177-227F-4E2F-A815-394152F0E3B8}" type="slidenum">
               <a:rPr lang="ko-KR" altLang="en-US" smtClean="0"/>
-              <a:t>9</a:t>
+              <a:t>8</a:t>
             </a:fld>
             <a:endParaRPr lang="ko-KR" altLang="en-US"/>
           </a:p>
@@ -1847,7 +2266,7 @@
     </p:spTree>
     <p:extLst>
       <p:ext uri="{BB962C8B-B14F-4D97-AF65-F5344CB8AC3E}">
-        <p14:creationId xmlns:p14="http://schemas.microsoft.com/office/powerpoint/2010/main" val="3636736503"/>
+        <p14:creationId xmlns:p14="http://schemas.microsoft.com/office/powerpoint/2010/main" val="2378777035"/>
       </p:ext>
     </p:extLst>
   </p:cSld>
@@ -1901,7 +2320,41 @@
           <a:bodyPr/>
           <a:lstStyle/>
           <a:p>
-            <a:endParaRPr lang="ko-KR" altLang="en-US"/>
+            <a:r>
+              <a:rPr lang="en-US" altLang="ko-KR"/>
+              <a:t>there are some pre-learning data, it is provided by opencv.</a:t>
+            </a:r>
+          </a:p>
+          <a:p>
+            <a:r>
+              <a:rPr lang="en-US" altLang="ko-KR"/>
+              <a:t>You</a:t>
+            </a:r>
+            <a:r>
+              <a:rPr lang="ko-KR" altLang="en-US"/>
+              <a:t> </a:t>
+            </a:r>
+            <a:r>
+              <a:rPr lang="en-US" altLang="ko-KR"/>
+              <a:t>can</a:t>
+            </a:r>
+            <a:r>
+              <a:rPr lang="ko-KR" altLang="en-US"/>
+              <a:t> </a:t>
+            </a:r>
+            <a:r>
+              <a:rPr lang="en-US" altLang="ko-KR"/>
+              <a:t>use some data, from this link, and just load this data file</a:t>
+            </a:r>
+          </a:p>
+          <a:p>
+            <a:endParaRPr lang="en-US" altLang="ko-KR"/>
+          </a:p>
+          <a:p>
+            <a:r>
+              <a:rPr lang="en-US" altLang="ko-KR"/>
+              <a:t>We uploaded this to the page, so you can download it.</a:t>
+            </a:r>
           </a:p>
         </p:txBody>
       </p:sp>
@@ -1922,7 +2375,7 @@
           <a:p>
             <a:fld id="{A248A177-227F-4E2F-A815-394152F0E3B8}" type="slidenum">
               <a:rPr lang="ko-KR" altLang="en-US" smtClean="0"/>
-              <a:t>10</a:t>
+              <a:t>9</a:t>
             </a:fld>
             <a:endParaRPr lang="ko-KR" altLang="en-US"/>
           </a:p>
@@ -1931,7 +2384,7 @@
     </p:spTree>
     <p:extLst>
       <p:ext uri="{BB962C8B-B14F-4D97-AF65-F5344CB8AC3E}">
-        <p14:creationId xmlns:p14="http://schemas.microsoft.com/office/powerpoint/2010/main" val="2379680299"/>
+        <p14:creationId xmlns:p14="http://schemas.microsoft.com/office/powerpoint/2010/main" val="3636736503"/>
       </p:ext>
     </p:extLst>
   </p:cSld>
